--- a/multiplying/20230619/20230622小島光.pptx
+++ b/multiplying/20230619/20230622小島光.pptx
@@ -227,7 +227,7 @@
           <a:p>
             <a:fld id="{842B8A44-B552-4A64-920B-DB22BC566B1E}" type="datetimeFigureOut">
               <a:rPr kumimoji="1" lang="ja-JP" altLang="en-US" smtClean="0"/>
-              <a:t>2023/6/21</a:t>
+              <a:t>2023/6/29</a:t>
             </a:fld>
             <a:endParaRPr kumimoji="1" lang="ja-JP" altLang="en-US"/>
           </a:p>
@@ -760,7 +760,7 @@
           <a:p>
             <a:fld id="{2C4220D3-FA0F-4643-BC62-315578BBE2EC}" type="datetime1">
               <a:rPr kumimoji="1" lang="ja-JP" altLang="en-US" smtClean="0"/>
-              <a:t>2023/6/21</a:t>
+              <a:t>2023/6/29</a:t>
             </a:fld>
             <a:endParaRPr kumimoji="1" lang="ja-JP" altLang="en-US"/>
           </a:p>
@@ -990,7 +990,7 @@
           <a:p>
             <a:fld id="{3C6A4650-E6C9-4455-AD35-E5407AB22097}" type="datetime1">
               <a:rPr kumimoji="1" lang="ja-JP" altLang="en-US" smtClean="0"/>
-              <a:t>2023/6/21</a:t>
+              <a:t>2023/6/29</a:t>
             </a:fld>
             <a:endParaRPr kumimoji="1" lang="ja-JP" altLang="en-US"/>
           </a:p>
@@ -1230,7 +1230,7 @@
           <a:p>
             <a:fld id="{63BDACD2-7DF5-4C53-98D8-B6772E82D6C4}" type="datetime1">
               <a:rPr kumimoji="1" lang="ja-JP" altLang="en-US" smtClean="0"/>
-              <a:t>2023/6/21</a:t>
+              <a:t>2023/6/29</a:t>
             </a:fld>
             <a:endParaRPr kumimoji="1" lang="ja-JP" altLang="en-US"/>
           </a:p>
@@ -1460,7 +1460,7 @@
           <a:p>
             <a:fld id="{4DA6359C-90DE-4858-A458-5AAFE80A4972}" type="datetime1">
               <a:rPr kumimoji="1" lang="ja-JP" altLang="en-US" smtClean="0"/>
-              <a:t>2023/6/21</a:t>
+              <a:t>2023/6/29</a:t>
             </a:fld>
             <a:endParaRPr kumimoji="1" lang="ja-JP" altLang="en-US"/>
           </a:p>
@@ -1735,7 +1735,7 @@
           <a:p>
             <a:fld id="{380D0C0D-A118-4676-8B58-71940A28C854}" type="datetime1">
               <a:rPr kumimoji="1" lang="ja-JP" altLang="en-US" smtClean="0"/>
-              <a:t>2023/6/21</a:t>
+              <a:t>2023/6/29</a:t>
             </a:fld>
             <a:endParaRPr kumimoji="1" lang="ja-JP" altLang="en-US"/>
           </a:p>
@@ -2064,7 +2064,7 @@
           <a:p>
             <a:fld id="{918BD739-6014-4F12-8CCF-9273C0CE6CBC}" type="datetime1">
               <a:rPr kumimoji="1" lang="ja-JP" altLang="en-US" smtClean="0"/>
-              <a:t>2023/6/21</a:t>
+              <a:t>2023/6/29</a:t>
             </a:fld>
             <a:endParaRPr kumimoji="1" lang="ja-JP" altLang="en-US"/>
           </a:p>
@@ -2540,7 +2540,7 @@
           <a:p>
             <a:fld id="{B4962EBE-80FD-44A8-AC2A-71E778143774}" type="datetime1">
               <a:rPr kumimoji="1" lang="ja-JP" altLang="en-US" smtClean="0"/>
-              <a:t>2023/6/21</a:t>
+              <a:t>2023/6/29</a:t>
             </a:fld>
             <a:endParaRPr kumimoji="1" lang="ja-JP" altLang="en-US"/>
           </a:p>
@@ -2681,7 +2681,7 @@
           <a:p>
             <a:fld id="{79464EB3-7890-4899-AD39-E7ECE1D3A337}" type="datetime1">
               <a:rPr kumimoji="1" lang="ja-JP" altLang="en-US" smtClean="0"/>
-              <a:t>2023/6/21</a:t>
+              <a:t>2023/6/29</a:t>
             </a:fld>
             <a:endParaRPr kumimoji="1" lang="ja-JP" altLang="en-US"/>
           </a:p>
@@ -2794,7 +2794,7 @@
           <a:p>
             <a:fld id="{1552972F-EDC6-42C8-BE1B-46C6241C61EF}" type="datetime1">
               <a:rPr kumimoji="1" lang="ja-JP" altLang="en-US" smtClean="0"/>
-              <a:t>2023/6/21</a:t>
+              <a:t>2023/6/29</a:t>
             </a:fld>
             <a:endParaRPr kumimoji="1" lang="ja-JP" altLang="en-US"/>
           </a:p>
@@ -3137,7 +3137,7 @@
           <a:p>
             <a:fld id="{36851A6A-3BAB-4C00-974C-06D504FCEEB1}" type="datetime1">
               <a:rPr kumimoji="1" lang="ja-JP" altLang="en-US" smtClean="0"/>
-              <a:t>2023/6/21</a:t>
+              <a:t>2023/6/29</a:t>
             </a:fld>
             <a:endParaRPr kumimoji="1" lang="ja-JP" altLang="en-US"/>
           </a:p>
@@ -3425,7 +3425,7 @@
           <a:p>
             <a:fld id="{230A2D68-0AC4-4644-8F87-B5047617D034}" type="datetime1">
               <a:rPr kumimoji="1" lang="ja-JP" altLang="en-US" smtClean="0"/>
-              <a:t>2023/6/21</a:t>
+              <a:t>2023/6/29</a:t>
             </a:fld>
             <a:endParaRPr kumimoji="1" lang="ja-JP" altLang="en-US"/>
           </a:p>
@@ -3698,7 +3698,7 @@
           <a:p>
             <a:fld id="{54EE7479-4E13-4535-BA15-C0A49847C7DF}" type="datetime1">
               <a:rPr kumimoji="1" lang="ja-JP" altLang="en-US" smtClean="0"/>
-              <a:t>2023/6/21</a:t>
+              <a:t>2023/6/29</a:t>
             </a:fld>
             <a:endParaRPr kumimoji="1" lang="ja-JP" altLang="en-US"/>
           </a:p>
@@ -4203,7 +4203,7 @@
           <a:p>
             <a:fld id="{BCA2D44E-EACA-42A5-9C45-AD214963E817}" type="datetime1">
               <a:rPr kumimoji="1" lang="ja-JP" altLang="en-US" smtClean="0"/>
-              <a:t>2023/6/21</a:t>
+              <a:t>2023/6/29</a:t>
             </a:fld>
             <a:endParaRPr kumimoji="1" lang="ja-JP" altLang="en-US"/>
           </a:p>
@@ -5052,7 +5052,7 @@
           <a:p>
             <a:fld id="{739868E7-0860-4F51-B033-AA6C45B2594B}" type="datetime1">
               <a:rPr kumimoji="1" lang="ja-JP" altLang="en-US" smtClean="0"/>
-              <a:t>2023/6/21</a:t>
+              <a:t>2023/6/29</a:t>
             </a:fld>
             <a:endParaRPr kumimoji="1" lang="ja-JP" altLang="en-US"/>
           </a:p>
@@ -5706,7 +5706,7 @@
           <a:p>
             <a:fld id="{38898CE6-EA9F-4706-ABBB-DC6BA85243DD}" type="datetime1">
               <a:rPr kumimoji="1" lang="ja-JP" altLang="en-US" smtClean="0"/>
-              <a:t>2023/6/21</a:t>
+              <a:t>2023/6/29</a:t>
             </a:fld>
             <a:endParaRPr kumimoji="1" lang="ja-JP" altLang="en-US"/>
           </a:p>
@@ -6429,7 +6429,7 @@
           <a:p>
             <a:fld id="{27D9993E-A90D-434C-B9E2-B5C639492F28}" type="datetime1">
               <a:rPr kumimoji="1" lang="ja-JP" altLang="en-US" smtClean="0"/>
-              <a:t>2023/6/21</a:t>
+              <a:t>2023/6/29</a:t>
             </a:fld>
             <a:endParaRPr kumimoji="1" lang="ja-JP" altLang="en-US"/>
           </a:p>
@@ -7051,7 +7051,13 @@
                                     <a:rPr kumimoji="1" lang="en-US" altLang="ja-JP" sz="2800" b="0" i="1" smtClean="0">
                                       <a:latin typeface="Cambria Math" panose="02040503050406030204" pitchFamily="18" charset="0"/>
                                     </a:rPr>
-                                    <m:t>𝑡h</m:t>
+                                    <m:t>𝑡</m:t>
+                                  </m:r>
+                                  <m:r>
+                                    <a:rPr kumimoji="1" lang="en-US" altLang="ja-JP" sz="2800" b="0" i="1" smtClean="0">
+                                      <a:latin typeface="Cambria Math" panose="02040503050406030204" pitchFamily="18" charset="0"/>
+                                    </a:rPr>
+                                    <m:t>h</m:t>
                                   </m:r>
                                   <m:r>
                                     <a:rPr kumimoji="1" lang="en-US" altLang="ja-JP" sz="2800" b="0" i="1" smtClean="0">
@@ -7185,7 +7191,7 @@
           <a:p>
             <a:fld id="{5233D9E1-A0F3-4D3E-8B7C-3BE81B979927}" type="datetime1">
               <a:rPr kumimoji="1" lang="ja-JP" altLang="en-US" smtClean="0"/>
-              <a:t>2023/6/21</a:t>
+              <a:t>2023/6/29</a:t>
             </a:fld>
             <a:endParaRPr kumimoji="1" lang="ja-JP" altLang="en-US"/>
           </a:p>
@@ -7879,7 +7885,7 @@
           <a:p>
             <a:fld id="{91A98DDC-9F50-41EE-A314-53CE5BBEFC12}" type="datetime1">
               <a:rPr kumimoji="1" lang="ja-JP" altLang="en-US" smtClean="0"/>
-              <a:t>2023/6/21</a:t>
+              <a:t>2023/6/29</a:t>
             </a:fld>
             <a:endParaRPr kumimoji="1" lang="ja-JP" altLang="en-US"/>
           </a:p>
@@ -8954,7 +8960,7 @@
           <a:p>
             <a:fld id="{3FCBDCCC-6D2F-47C5-957F-EEDD1BD9C607}" type="datetime1">
               <a:rPr kumimoji="1" lang="ja-JP" altLang="en-US" smtClean="0"/>
-              <a:t>2023/6/21</a:t>
+              <a:t>2023/6/29</a:t>
             </a:fld>
             <a:endParaRPr kumimoji="1" lang="ja-JP" altLang="en-US"/>
           </a:p>
@@ -9571,7 +9577,7 @@
           <a:p>
             <a:fld id="{2F16F73E-C52F-4728-B430-BB5CB656F25B}" type="datetime1">
               <a:rPr kumimoji="1" lang="ja-JP" altLang="en-US" smtClean="0"/>
-              <a:t>2023/6/21</a:t>
+              <a:t>2023/6/29</a:t>
             </a:fld>
             <a:endParaRPr kumimoji="1" lang="ja-JP" altLang="en-US"/>
           </a:p>
@@ -10933,7 +10939,7 @@
           <a:p>
             <a:fld id="{FDDC4815-6BEB-4D07-8E07-350486301271}" type="datetime1">
               <a:rPr kumimoji="1" lang="ja-JP" altLang="en-US" smtClean="0"/>
-              <a:t>2023/6/21</a:t>
+              <a:t>2023/6/29</a:t>
             </a:fld>
             <a:endParaRPr kumimoji="1" lang="ja-JP" altLang="en-US"/>
           </a:p>
@@ -11774,7 +11780,7 @@
           <a:p>
             <a:fld id="{C2235328-4B5A-43B6-8BEA-DA1F2F73D4B7}" type="datetime1">
               <a:rPr kumimoji="1" lang="ja-JP" altLang="en-US" smtClean="0"/>
-              <a:t>2023/6/21</a:t>
+              <a:t>2023/6/29</a:t>
             </a:fld>
             <a:endParaRPr kumimoji="1" lang="ja-JP" altLang="en-US"/>
           </a:p>
@@ -12121,7 +12127,13 @@
                                   <a:rPr kumimoji="1" lang="en-US" altLang="ja-JP" sz="2800" b="0" i="1" smtClean="0">
                                     <a:latin typeface="Cambria Math" panose="02040503050406030204" pitchFamily="18" charset="0"/>
                                   </a:rPr>
-                                  <m:t>𝑡h</m:t>
+                                  <m:t>𝑡</m:t>
+                                </m:r>
+                                <m:r>
+                                  <a:rPr kumimoji="1" lang="en-US" altLang="ja-JP" sz="2800" b="0" i="1" smtClean="0">
+                                    <a:latin typeface="Cambria Math" panose="02040503050406030204" pitchFamily="18" charset="0"/>
+                                  </a:rPr>
+                                  <m:t>h</m:t>
                                 </m:r>
                                 <m:r>
                                   <a:rPr kumimoji="1" lang="en-US" altLang="ja-JP" sz="2800" b="0" i="1" smtClean="0">
@@ -12176,7 +12188,19 @@
                       <a:rPr kumimoji="1" lang="en-US" altLang="ja-JP" sz="2800" b="0" i="1" smtClean="0">
                         <a:latin typeface="Cambria Math" panose="02040503050406030204" pitchFamily="18" charset="0"/>
                       </a:rPr>
-                      <m:t>=20 </m:t>
+                      <m:t>=</m:t>
+                    </m:r>
+                    <m:r>
+                      <a:rPr kumimoji="1" lang="en-US" altLang="ja-JP" sz="2800" b="0" i="1" smtClean="0">
+                        <a:latin typeface="Cambria Math" panose="02040503050406030204" pitchFamily="18" charset="0"/>
+                      </a:rPr>
+                      <m:t>20</m:t>
+                    </m:r>
+                    <m:r>
+                      <a:rPr kumimoji="1" lang="en-US" altLang="ja-JP" sz="2800" b="0" i="1" smtClean="0">
+                        <a:latin typeface="Cambria Math" panose="02040503050406030204" pitchFamily="18" charset="0"/>
+                      </a:rPr>
+                      <m:t> </m:t>
                     </m:r>
                     <m:r>
                       <m:rPr>
@@ -12514,7 +12538,13 @@
                             <a:rPr kumimoji="1" lang="en-US" altLang="ja-JP" sz="2800" b="0" i="1" smtClean="0">
                               <a:latin typeface="Cambria Math" panose="02040503050406030204" pitchFamily="18" charset="0"/>
                             </a:rPr>
-                            <m:t>𝑡h</m:t>
+                            <m:t>𝑡</m:t>
+                          </m:r>
+                          <m:r>
+                            <a:rPr kumimoji="1" lang="en-US" altLang="ja-JP" sz="2800" b="0" i="1" smtClean="0">
+                              <a:latin typeface="Cambria Math" panose="02040503050406030204" pitchFamily="18" charset="0"/>
+                            </a:rPr>
+                            <m:t>h</m:t>
                           </m:r>
                         </m:sub>
                       </m:sSub>
@@ -12660,7 +12690,13 @@
                             <a:rPr kumimoji="1" lang="en-US" altLang="ja-JP" sz="2800" b="0" i="1" smtClean="0">
                               <a:latin typeface="Cambria Math" panose="02040503050406030204" pitchFamily="18" charset="0"/>
                             </a:rPr>
-                            <m:t>𝑡h</m:t>
+                            <m:t>𝑡</m:t>
+                          </m:r>
+                          <m:r>
+                            <a:rPr kumimoji="1" lang="en-US" altLang="ja-JP" sz="2800" b="0" i="1" smtClean="0">
+                              <a:latin typeface="Cambria Math" panose="02040503050406030204" pitchFamily="18" charset="0"/>
+                            </a:rPr>
+                            <m:t>h</m:t>
                           </m:r>
                           <m:r>
                             <a:rPr kumimoji="1" lang="en-US" altLang="ja-JP" sz="2800" b="0" i="1" smtClean="0">
@@ -12914,7 +12950,13 @@
                                         <a:rPr kumimoji="1" lang="en-US" altLang="ja-JP" sz="2800" b="0" i="1" dirty="0" smtClean="0">
                                           <a:latin typeface="Cambria Math" panose="02040503050406030204" pitchFamily="18" charset="0"/>
                                         </a:rPr>
-                                        <m:t>𝑡h</m:t>
+                                        <m:t>𝑡</m:t>
+                                      </m:r>
+                                      <m:r>
+                                        <a:rPr kumimoji="1" lang="en-US" altLang="ja-JP" sz="2800" b="0" i="1" dirty="0" smtClean="0">
+                                          <a:latin typeface="Cambria Math" panose="02040503050406030204" pitchFamily="18" charset="0"/>
+                                        </a:rPr>
+                                        <m:t>h</m:t>
                                       </m:r>
                                       <m:r>
                                         <a:rPr kumimoji="1" lang="en-US" altLang="ja-JP" sz="2800" b="0" i="1" dirty="0" smtClean="0">
@@ -13071,7 +13113,13 @@
                                 <a:rPr kumimoji="1" lang="en-US" altLang="ja-JP" sz="2800" b="0" i="1" smtClean="0">
                                   <a:latin typeface="Cambria Math" panose="02040503050406030204" pitchFamily="18" charset="0"/>
                                 </a:rPr>
-                                <m:t>𝑡h</m:t>
+                                <m:t>𝑡</m:t>
+                              </m:r>
+                              <m:r>
+                                <a:rPr kumimoji="1" lang="en-US" altLang="ja-JP" sz="2800" b="0" i="1" smtClean="0">
+                                  <a:latin typeface="Cambria Math" panose="02040503050406030204" pitchFamily="18" charset="0"/>
+                                </a:rPr>
+                                <m:t>h</m:t>
                               </m:r>
                               <m:r>
                                 <a:rPr kumimoji="1" lang="en-US" altLang="ja-JP" sz="2800" b="0" i="1" smtClean="0">
@@ -13174,7 +13222,13 @@
                             <a:rPr kumimoji="1" lang="en-US" altLang="ja-JP" sz="2800" b="0" i="1" smtClean="0">
                               <a:latin typeface="Cambria Math" panose="02040503050406030204" pitchFamily="18" charset="0"/>
                             </a:rPr>
-                            <m:t>1+</m:t>
+                            <m:t>1</m:t>
+                          </m:r>
+                          <m:r>
+                            <a:rPr kumimoji="1" lang="en-US" altLang="ja-JP" sz="2800" b="0" i="1" smtClean="0">
+                              <a:latin typeface="Cambria Math" panose="02040503050406030204" pitchFamily="18" charset="0"/>
+                            </a:rPr>
+                            <m:t>+</m:t>
                           </m:r>
                           <m:r>
                             <a:rPr kumimoji="1" lang="en-US" altLang="ja-JP" sz="2800" b="0" i="1" smtClean="0">
@@ -13457,7 +13511,7 @@
           <a:p>
             <a:fld id="{AD68A9C2-2ACF-4E1C-8523-F8FC6BE883BC}" type="datetime1">
               <a:rPr kumimoji="1" lang="ja-JP" altLang="en-US" smtClean="0"/>
-              <a:t>2023/6/21</a:t>
+              <a:t>2023/6/29</a:t>
             </a:fld>
             <a:endParaRPr kumimoji="1" lang="ja-JP" altLang="en-US"/>
           </a:p>
@@ -13687,7 +13741,7 @@
           <a:p>
             <a:fld id="{116E72C6-7865-4948-8416-59488C4571EF}" type="datetime1">
               <a:rPr kumimoji="1" lang="ja-JP" altLang="en-US" smtClean="0"/>
-              <a:t>2023/6/21</a:t>
+              <a:t>2023/6/29</a:t>
             </a:fld>
             <a:endParaRPr kumimoji="1" lang="ja-JP" altLang="en-US"/>
           </a:p>
@@ -14635,7 +14689,7 @@
           <a:p>
             <a:fld id="{D3120587-43E2-469D-9FCD-7AE9AABD713D}" type="datetime1">
               <a:rPr kumimoji="1" lang="ja-JP" altLang="en-US" smtClean="0"/>
-              <a:t>2023/6/21</a:t>
+              <a:t>2023/6/29</a:t>
             </a:fld>
             <a:endParaRPr kumimoji="1" lang="ja-JP" altLang="en-US"/>
           </a:p>
@@ -15422,7 +15476,7 @@
           <a:p>
             <a:fld id="{3A7744D4-CB8B-494B-A050-D68716CE2300}" type="datetime1">
               <a:rPr kumimoji="1" lang="ja-JP" altLang="en-US" smtClean="0"/>
-              <a:t>2023/6/21</a:t>
+              <a:t>2023/6/29</a:t>
             </a:fld>
             <a:endParaRPr kumimoji="1" lang="ja-JP" altLang="en-US"/>
           </a:p>
@@ -16106,7 +16160,7 @@
           <a:p>
             <a:fld id="{2675678E-DDDE-4EEF-B957-406395DCD6AA}" type="datetime1">
               <a:rPr kumimoji="1" lang="ja-JP" altLang="en-US" smtClean="0"/>
-              <a:t>2023/6/21</a:t>
+              <a:t>2023/6/29</a:t>
             </a:fld>
             <a:endParaRPr kumimoji="1" lang="ja-JP" altLang="en-US"/>
           </a:p>
@@ -16461,7 +16515,25 @@
                       <a:rPr kumimoji="1" lang="en-US" altLang="ja-JP" sz="2800" b="0" i="1" smtClean="0">
                         <a:latin typeface="Cambria Math" panose="02040503050406030204" pitchFamily="18" charset="0"/>
                       </a:rPr>
-                      <m:t>=0.1126</m:t>
+                      <m:t>=</m:t>
+                    </m:r>
+                    <m:r>
+                      <a:rPr kumimoji="1" lang="en-US" altLang="ja-JP" sz="2800" b="0" i="1" smtClean="0">
+                        <a:latin typeface="Cambria Math" panose="02040503050406030204" pitchFamily="18" charset="0"/>
+                      </a:rPr>
+                      <m:t>0</m:t>
+                    </m:r>
+                    <m:r>
+                      <a:rPr kumimoji="1" lang="en-US" altLang="ja-JP" sz="2800" b="0" i="1" smtClean="0">
+                        <a:latin typeface="Cambria Math" panose="02040503050406030204" pitchFamily="18" charset="0"/>
+                      </a:rPr>
+                      <m:t>.</m:t>
+                    </m:r>
+                    <m:r>
+                      <a:rPr kumimoji="1" lang="en-US" altLang="ja-JP" sz="2800" b="0" i="1" smtClean="0">
+                        <a:latin typeface="Cambria Math" panose="02040503050406030204" pitchFamily="18" charset="0"/>
+                      </a:rPr>
+                      <m:t>1126</m:t>
                     </m:r>
                   </m:oMath>
                 </a14:m>
@@ -16579,7 +16651,13 @@
                                 <a:rPr kumimoji="1" lang="en-US" altLang="ja-JP" sz="2400" b="0" i="1" smtClean="0">
                                   <a:latin typeface="Cambria Math" panose="02040503050406030204" pitchFamily="18" charset="0"/>
                                 </a:rPr>
-                                <m:t>𝑡h</m:t>
+                                <m:t>𝑡</m:t>
+                              </m:r>
+                              <m:r>
+                                <a:rPr kumimoji="1" lang="en-US" altLang="ja-JP" sz="2400" b="0" i="1" smtClean="0">
+                                  <a:latin typeface="Cambria Math" panose="02040503050406030204" pitchFamily="18" charset="0"/>
+                                </a:rPr>
+                                <m:t>h</m:t>
                               </m:r>
                               <m:r>
                                 <a:rPr kumimoji="1" lang="en-US" altLang="ja-JP" sz="2400" b="0" i="1" smtClean="0">
@@ -16614,7 +16692,13 @@
                                 <a:rPr kumimoji="1" lang="en-US" altLang="ja-JP" sz="2400" b="0" i="1" smtClean="0">
                                   <a:latin typeface="Cambria Math" panose="02040503050406030204" pitchFamily="18" charset="0"/>
                                 </a:rPr>
-                                <m:t>+1</m:t>
+                                <m:t>+</m:t>
+                              </m:r>
+                              <m:r>
+                                <a:rPr kumimoji="1" lang="en-US" altLang="ja-JP" sz="2400" b="0" i="1" smtClean="0">
+                                  <a:latin typeface="Cambria Math" panose="02040503050406030204" pitchFamily="18" charset="0"/>
+                                </a:rPr>
+                                <m:t>1</m:t>
                               </m:r>
                             </m:e>
                           </m:d>
@@ -16760,7 +16844,31 @@
                         <a:rPr kumimoji="1" lang="en-US" altLang="ja-JP" sz="2800" b="0" i="1" smtClean="0">
                           <a:latin typeface="Cambria Math" panose="02040503050406030204" pitchFamily="18" charset="0"/>
                         </a:rPr>
-                        <m:t>=68.1653⋯</m:t>
+                        <m:t>=</m:t>
+                      </m:r>
+                      <m:r>
+                        <a:rPr kumimoji="1" lang="en-US" altLang="ja-JP" sz="2800" b="0" i="1" smtClean="0">
+                          <a:latin typeface="Cambria Math" panose="02040503050406030204" pitchFamily="18" charset="0"/>
+                        </a:rPr>
+                        <m:t>68</m:t>
+                      </m:r>
+                      <m:r>
+                        <a:rPr kumimoji="1" lang="en-US" altLang="ja-JP" sz="2800" b="0" i="1" smtClean="0">
+                          <a:latin typeface="Cambria Math" panose="02040503050406030204" pitchFamily="18" charset="0"/>
+                        </a:rPr>
+                        <m:t>.</m:t>
+                      </m:r>
+                      <m:r>
+                        <a:rPr kumimoji="1" lang="en-US" altLang="ja-JP" sz="2800" b="0" i="1" smtClean="0">
+                          <a:latin typeface="Cambria Math" panose="02040503050406030204" pitchFamily="18" charset="0"/>
+                        </a:rPr>
+                        <m:t>1653</m:t>
+                      </m:r>
+                      <m:r>
+                        <a:rPr kumimoji="1" lang="en-US" altLang="ja-JP" sz="2800" b="0" i="1" smtClean="0">
+                          <a:latin typeface="Cambria Math" panose="02040503050406030204" pitchFamily="18" charset="0"/>
+                        </a:rPr>
+                        <m:t>⋯</m:t>
                       </m:r>
                     </m:oMath>
                   </m:oMathPara>
@@ -16960,7 +17068,19 @@
                         <a:rPr lang="en-US" altLang="ja-JP" sz="2800" i="1">
                           <a:latin typeface="Cambria Math" panose="02040503050406030204" pitchFamily="18" charset="0"/>
                         </a:rPr>
-                        <m:t>1.1912</m:t>
+                        <m:t>1</m:t>
+                      </m:r>
+                      <m:r>
+                        <a:rPr lang="en-US" altLang="ja-JP" sz="2800" i="1">
+                          <a:latin typeface="Cambria Math" panose="02040503050406030204" pitchFamily="18" charset="0"/>
+                        </a:rPr>
+                        <m:t>.</m:t>
+                      </m:r>
+                      <m:r>
+                        <a:rPr lang="en-US" altLang="ja-JP" sz="2800" i="1">
+                          <a:latin typeface="Cambria Math" panose="02040503050406030204" pitchFamily="18" charset="0"/>
+                        </a:rPr>
+                        <m:t>1912</m:t>
                       </m:r>
                       <m:r>
                         <a:rPr lang="en-US" altLang="ja-JP" sz="2800" b="0" i="1" smtClean="0">
@@ -17146,7 +17266,25 @@
                         <a:rPr kumimoji="1" lang="en-US" altLang="ja-JP" sz="1600" b="0" i="1" smtClean="0">
                           <a:latin typeface="Cambria Math" panose="02040503050406030204" pitchFamily="18" charset="0"/>
                         </a:rPr>
-                        <m:t>=70.77</m:t>
+                        <m:t>=</m:t>
+                      </m:r>
+                      <m:r>
+                        <a:rPr kumimoji="1" lang="en-US" altLang="ja-JP" sz="1600" b="0" i="1" smtClean="0">
+                          <a:latin typeface="Cambria Math" panose="02040503050406030204" pitchFamily="18" charset="0"/>
+                        </a:rPr>
+                        <m:t>70</m:t>
+                      </m:r>
+                      <m:r>
+                        <a:rPr kumimoji="1" lang="en-US" altLang="ja-JP" sz="1600" b="0" i="1" smtClean="0">
+                          <a:latin typeface="Cambria Math" panose="02040503050406030204" pitchFamily="18" charset="0"/>
+                        </a:rPr>
+                        <m:t>.</m:t>
+                      </m:r>
+                      <m:r>
+                        <a:rPr kumimoji="1" lang="en-US" altLang="ja-JP" sz="1600" b="0" i="1" smtClean="0">
+                          <a:latin typeface="Cambria Math" panose="02040503050406030204" pitchFamily="18" charset="0"/>
+                        </a:rPr>
+                        <m:t>77</m:t>
                       </m:r>
                     </m:oMath>
                   </m:oMathPara>
@@ -17267,7 +17405,25 @@
                         <a:rPr kumimoji="1" lang="en-US" altLang="ja-JP" sz="1600" b="0" i="1" smtClean="0">
                           <a:latin typeface="Cambria Math" panose="02040503050406030204" pitchFamily="18" charset="0"/>
                         </a:rPr>
-                        <m:t>=68.17</m:t>
+                        <m:t>=</m:t>
+                      </m:r>
+                      <m:r>
+                        <a:rPr kumimoji="1" lang="en-US" altLang="ja-JP" sz="1600" b="0" i="1" smtClean="0">
+                          <a:latin typeface="Cambria Math" panose="02040503050406030204" pitchFamily="18" charset="0"/>
+                        </a:rPr>
+                        <m:t>68</m:t>
+                      </m:r>
+                      <m:r>
+                        <a:rPr kumimoji="1" lang="en-US" altLang="ja-JP" sz="1600" b="0" i="1" smtClean="0">
+                          <a:latin typeface="Cambria Math" panose="02040503050406030204" pitchFamily="18" charset="0"/>
+                        </a:rPr>
+                        <m:t>.</m:t>
+                      </m:r>
+                      <m:r>
+                        <a:rPr kumimoji="1" lang="en-US" altLang="ja-JP" sz="1600" b="0" i="1" smtClean="0">
+                          <a:latin typeface="Cambria Math" panose="02040503050406030204" pitchFamily="18" charset="0"/>
+                        </a:rPr>
+                        <m:t>17</m:t>
                       </m:r>
                     </m:oMath>
                   </m:oMathPara>
@@ -17424,7 +17580,31 @@
                         <a:rPr kumimoji="1" lang="en-US" altLang="ja-JP" sz="1600" b="0" i="1" smtClean="0">
                           <a:latin typeface="Cambria Math" panose="02040503050406030204" pitchFamily="18" charset="0"/>
                         </a:rPr>
-                        <m:t>=0.1126 </m:t>
+                        <m:t>=</m:t>
+                      </m:r>
+                      <m:r>
+                        <a:rPr kumimoji="1" lang="en-US" altLang="ja-JP" sz="1600" b="0" i="1" smtClean="0">
+                          <a:latin typeface="Cambria Math" panose="02040503050406030204" pitchFamily="18" charset="0"/>
+                        </a:rPr>
+                        <m:t>0</m:t>
+                      </m:r>
+                      <m:r>
+                        <a:rPr kumimoji="1" lang="en-US" altLang="ja-JP" sz="1600" b="0" i="1" smtClean="0">
+                          <a:latin typeface="Cambria Math" panose="02040503050406030204" pitchFamily="18" charset="0"/>
+                        </a:rPr>
+                        <m:t>.</m:t>
+                      </m:r>
+                      <m:r>
+                        <a:rPr kumimoji="1" lang="en-US" altLang="ja-JP" sz="1600" b="0" i="1" smtClean="0">
+                          <a:latin typeface="Cambria Math" panose="02040503050406030204" pitchFamily="18" charset="0"/>
+                        </a:rPr>
+                        <m:t>1126</m:t>
+                      </m:r>
+                      <m:r>
+                        <a:rPr kumimoji="1" lang="en-US" altLang="ja-JP" sz="1600" b="0" i="1" smtClean="0">
+                          <a:latin typeface="Cambria Math" panose="02040503050406030204" pitchFamily="18" charset="0"/>
+                        </a:rPr>
+                        <m:t> </m:t>
                       </m:r>
                       <m:r>
                         <m:rPr>
@@ -17590,7 +17770,31 @@
                         <a:rPr kumimoji="1" lang="en-US" altLang="ja-JP" sz="1600" b="0" i="1" smtClean="0">
                           <a:latin typeface="Cambria Math" panose="02040503050406030204" pitchFamily="18" charset="0"/>
                         </a:rPr>
-                        <m:t>=0.1502 </m:t>
+                        <m:t>=</m:t>
+                      </m:r>
+                      <m:r>
+                        <a:rPr kumimoji="1" lang="en-US" altLang="ja-JP" sz="1600" b="0" i="1" smtClean="0">
+                          <a:latin typeface="Cambria Math" panose="02040503050406030204" pitchFamily="18" charset="0"/>
+                        </a:rPr>
+                        <m:t>0</m:t>
+                      </m:r>
+                      <m:r>
+                        <a:rPr kumimoji="1" lang="en-US" altLang="ja-JP" sz="1600" b="0" i="1" smtClean="0">
+                          <a:latin typeface="Cambria Math" panose="02040503050406030204" pitchFamily="18" charset="0"/>
+                        </a:rPr>
+                        <m:t>.</m:t>
+                      </m:r>
+                      <m:r>
+                        <a:rPr kumimoji="1" lang="en-US" altLang="ja-JP" sz="1600" b="0" i="1" smtClean="0">
+                          <a:latin typeface="Cambria Math" panose="02040503050406030204" pitchFamily="18" charset="0"/>
+                        </a:rPr>
+                        <m:t>1502</m:t>
+                      </m:r>
+                      <m:r>
+                        <a:rPr kumimoji="1" lang="en-US" altLang="ja-JP" sz="1600" b="0" i="1" smtClean="0">
+                          <a:latin typeface="Cambria Math" panose="02040503050406030204" pitchFamily="18" charset="0"/>
+                        </a:rPr>
+                        <m:t> </m:t>
                       </m:r>
                       <m:r>
                         <m:rPr>
@@ -17677,7 +17881,7 @@
           <a:p>
             <a:fld id="{2173E09C-6A3A-40C4-9CF3-BAB781C9D923}" type="datetime1">
               <a:rPr kumimoji="1" lang="ja-JP" altLang="en-US" smtClean="0"/>
-              <a:t>2023/6/21</a:t>
+              <a:t>2023/6/29</a:t>
             </a:fld>
             <a:endParaRPr kumimoji="1" lang="ja-JP" altLang="en-US"/>
           </a:p>
@@ -18845,7 +19049,7 @@
           <a:p>
             <a:fld id="{56145EE1-AA86-4B8C-B195-745CDE4C5BC0}" type="datetime1">
               <a:rPr kumimoji="1" lang="ja-JP" altLang="en-US" smtClean="0"/>
-              <a:t>2023/6/21</a:t>
+              <a:t>2023/6/29</a:t>
             </a:fld>
             <a:endParaRPr kumimoji="1" lang="ja-JP" altLang="en-US"/>
           </a:p>
@@ -18961,7 +19165,7 @@
           <a:p>
             <a:fld id="{79464EB3-7890-4899-AD39-E7ECE1D3A337}" type="datetime1">
               <a:rPr kumimoji="1" lang="ja-JP" altLang="en-US" smtClean="0"/>
-              <a:t>2023/6/21</a:t>
+              <a:t>2023/6/29</a:t>
             </a:fld>
             <a:endParaRPr kumimoji="1" lang="ja-JP" altLang="en-US"/>
           </a:p>
@@ -19288,7 +19492,7 @@
           <a:p>
             <a:fld id="{79464EB3-7890-4899-AD39-E7ECE1D3A337}" type="datetime1">
               <a:rPr kumimoji="1" lang="ja-JP" altLang="en-US" smtClean="0"/>
-              <a:t>2023/6/21</a:t>
+              <a:t>2023/6/29</a:t>
             </a:fld>
             <a:endParaRPr kumimoji="1" lang="ja-JP" altLang="en-US"/>
           </a:p>
@@ -19673,7 +19877,7 @@
           <a:p>
             <a:fld id="{79464EB3-7890-4899-AD39-E7ECE1D3A337}" type="datetime1">
               <a:rPr kumimoji="1" lang="ja-JP" altLang="en-US" smtClean="0"/>
-              <a:t>2023/6/21</a:t>
+              <a:t>2023/6/29</a:t>
             </a:fld>
             <a:endParaRPr kumimoji="1" lang="ja-JP" altLang="en-US"/>
           </a:p>
@@ -20123,7 +20327,7 @@
           <a:p>
             <a:fld id="{79464EB3-7890-4899-AD39-E7ECE1D3A337}" type="datetime1">
               <a:rPr kumimoji="1" lang="ja-JP" altLang="en-US" smtClean="0"/>
-              <a:t>2023/6/21</a:t>
+              <a:t>2023/6/29</a:t>
             </a:fld>
             <a:endParaRPr kumimoji="1" lang="ja-JP" altLang="en-US"/>
           </a:p>
@@ -20604,7 +20808,7 @@
           <a:p>
             <a:fld id="{79464EB3-7890-4899-AD39-E7ECE1D3A337}" type="datetime1">
               <a:rPr kumimoji="1" lang="ja-JP" altLang="en-US" smtClean="0"/>
-              <a:t>2023/6/21</a:t>
+              <a:t>2023/6/29</a:t>
             </a:fld>
             <a:endParaRPr kumimoji="1" lang="ja-JP" altLang="en-US"/>
           </a:p>
@@ -21521,7 +21725,7 @@
           <a:p>
             <a:fld id="{7DF779F3-D045-4362-BFF7-9E96F3BAC3E9}" type="datetime1">
               <a:rPr kumimoji="1" lang="ja-JP" altLang="en-US" smtClean="0"/>
-              <a:t>2023/6/21</a:t>
+              <a:t>2023/6/29</a:t>
             </a:fld>
             <a:endParaRPr kumimoji="1" lang="ja-JP" altLang="en-US"/>
           </a:p>
@@ -21637,7 +21841,7 @@
           <a:p>
             <a:fld id="{79464EB3-7890-4899-AD39-E7ECE1D3A337}" type="datetime1">
               <a:rPr kumimoji="1" lang="ja-JP" altLang="en-US" smtClean="0"/>
-              <a:t>2023/6/21</a:t>
+              <a:t>2023/6/29</a:t>
             </a:fld>
             <a:endParaRPr kumimoji="1" lang="ja-JP" altLang="en-US"/>
           </a:p>
@@ -22219,7 +22423,7 @@
           <a:p>
             <a:fld id="{4DA6359C-90DE-4858-A458-5AAFE80A4972}" type="datetime1">
               <a:rPr kumimoji="1" lang="ja-JP" altLang="en-US" smtClean="0"/>
-              <a:t>2023/6/21</a:t>
+              <a:t>2023/6/29</a:t>
             </a:fld>
             <a:endParaRPr kumimoji="1" lang="ja-JP" altLang="en-US"/>
           </a:p>
@@ -22472,7 +22676,7 @@
           <a:p>
             <a:fld id="{857DBF5D-C568-4607-902F-F8736E99263F}" type="datetime1">
               <a:rPr kumimoji="1" lang="ja-JP" altLang="en-US" smtClean="0"/>
-              <a:t>2023/6/21</a:t>
+              <a:t>2023/6/29</a:t>
             </a:fld>
             <a:endParaRPr kumimoji="1" lang="ja-JP" altLang="en-US"/>
           </a:p>
@@ -22796,7 +23000,7 @@
           <a:p>
             <a:fld id="{9EC172CE-0278-4716-865B-BA6952825311}" type="datetime1">
               <a:rPr kumimoji="1" lang="ja-JP" altLang="en-US" smtClean="0"/>
-              <a:t>2023/6/21</a:t>
+              <a:t>2023/6/29</a:t>
             </a:fld>
             <a:endParaRPr kumimoji="1" lang="ja-JP" altLang="en-US"/>
           </a:p>
@@ -22889,8 +23093,8 @@
           </a:p>
         </p:txBody>
       </p:sp>
-      <mc:AlternateContent xmlns:mc="http://schemas.openxmlformats.org/markup-compatibility/2006">
-        <mc:Choice xmlns:a14="http://schemas.microsoft.com/office/drawing/2010/main" Requires="a14">
+      <mc:AlternateContent xmlns:mc="http://schemas.openxmlformats.org/markup-compatibility/2006" xmlns:a14="http://schemas.microsoft.com/office/drawing/2010/main">
+        <mc:Choice Requires="a14">
           <p:sp>
             <p:nvSpPr>
               <p:cNvPr id="3" name="テキスト ボックス 2">
@@ -22957,16 +23161,7 @@
                       <a:rPr kumimoji="1" lang="en-US" altLang="ja-JP" sz="2800" b="0" i="0" smtClean="0">
                         <a:latin typeface="Cambria Math" panose="02040503050406030204" pitchFamily="18" charset="0"/>
                       </a:rPr>
-                      <m:t>R</m:t>
-                    </m:r>
-                    <m:r>
-                      <m:rPr>
-                        <m:sty m:val="p"/>
-                      </m:rPr>
-                      <a:rPr kumimoji="1" lang="en-US" altLang="ja-JP" sz="2800" b="0" i="0" smtClean="0">
-                        <a:latin typeface="Cambria Math" panose="02040503050406030204" pitchFamily="18" charset="0"/>
-                      </a:rPr>
-                      <m:t>ohm</m:t>
+                      <m:t>Rohm</m:t>
                     </m:r>
                     <m:r>
                       <a:rPr kumimoji="1" lang="en-US" altLang="ja-JP" sz="2800" b="0" i="0" smtClean="0">
@@ -22990,7 +23185,7 @@
             </p:txBody>
           </p:sp>
         </mc:Choice>
-        <mc:Fallback>
+        <mc:Fallback xmlns="">
           <p:sp>
             <p:nvSpPr>
               <p:cNvPr id="3" name="テキスト ボックス 2">
@@ -23436,7 +23631,7 @@
           <a:p>
             <a:fld id="{F7777257-721D-4AFD-98A4-654ED839B647}" type="datetime1">
               <a:rPr kumimoji="1" lang="ja-JP" altLang="en-US" smtClean="0"/>
-              <a:t>2023/6/21</a:t>
+              <a:t>2023/6/29</a:t>
             </a:fld>
             <a:endParaRPr kumimoji="1" lang="ja-JP" altLang="en-US"/>
           </a:p>
@@ -24745,7 +24940,7 @@
           <a:p>
             <a:fld id="{DA17239B-DF9D-4E76-A007-B6FE528B65F8}" type="datetime1">
               <a:rPr kumimoji="1" lang="ja-JP" altLang="en-US" smtClean="0"/>
-              <a:t>2023/6/21</a:t>
+              <a:t>2023/6/29</a:t>
             </a:fld>
             <a:endParaRPr kumimoji="1" lang="ja-JP" altLang="en-US"/>
           </a:p>
@@ -25737,7 +25932,7 @@
           <a:p>
             <a:fld id="{CD943303-ECCF-4038-B373-958ADCF3D980}" type="datetime1">
               <a:rPr kumimoji="1" lang="ja-JP" altLang="en-US" smtClean="0"/>
-              <a:t>2023/6/21</a:t>
+              <a:t>2023/6/29</a:t>
             </a:fld>
             <a:endParaRPr kumimoji="1" lang="ja-JP" altLang="en-US"/>
           </a:p>
@@ -25931,7 +26126,19 @@
                       <a:rPr kumimoji="1" lang="en-US" altLang="ja-JP" sz="2800" b="0" i="1" smtClean="0">
                         <a:latin typeface="Cambria Math" panose="02040503050406030204" pitchFamily="18" charset="0"/>
                       </a:rPr>
-                      <m:t>  :1 </m:t>
+                      <m:t>  :</m:t>
+                    </m:r>
+                    <m:r>
+                      <a:rPr kumimoji="1" lang="en-US" altLang="ja-JP" sz="2800" b="0" i="1" smtClean="0">
+                        <a:latin typeface="Cambria Math" panose="02040503050406030204" pitchFamily="18" charset="0"/>
+                      </a:rPr>
+                      <m:t>1</m:t>
+                    </m:r>
+                    <m:r>
+                      <a:rPr kumimoji="1" lang="en-US" altLang="ja-JP" sz="2800" b="0" i="1" smtClean="0">
+                        <a:latin typeface="Cambria Math" panose="02040503050406030204" pitchFamily="18" charset="0"/>
+                      </a:rPr>
+                      <m:t> </m:t>
                     </m:r>
                     <m:r>
                       <m:rPr>
@@ -25963,7 +26170,13 @@
                       <a:rPr kumimoji="1" lang="en-US" altLang="ja-JP" sz="2800" b="0" i="1" smtClean="0">
                         <a:latin typeface="Cambria Math" panose="02040503050406030204" pitchFamily="18" charset="0"/>
                       </a:rPr>
-                      <m:t>1 </m:t>
+                      <m:t>1</m:t>
+                    </m:r>
+                    <m:r>
+                      <a:rPr kumimoji="1" lang="en-US" altLang="ja-JP" sz="2800" b="0" i="1" smtClean="0">
+                        <a:latin typeface="Cambria Math" panose="02040503050406030204" pitchFamily="18" charset="0"/>
+                      </a:rPr>
+                      <m:t> </m:t>
                     </m:r>
                     <m:r>
                       <m:rPr>
@@ -26021,7 +26234,31 @@
                         <a:rPr kumimoji="1" lang="en-US" altLang="ja-JP" sz="2800" b="0" i="1" smtClean="0">
                           <a:latin typeface="Cambria Math" panose="02040503050406030204" pitchFamily="18" charset="0"/>
                         </a:rPr>
-                        <m:t>        :0.9 </m:t>
+                        <m:t>        :</m:t>
+                      </m:r>
+                      <m:r>
+                        <a:rPr kumimoji="1" lang="en-US" altLang="ja-JP" sz="2800" b="0" i="1" smtClean="0">
+                          <a:latin typeface="Cambria Math" panose="02040503050406030204" pitchFamily="18" charset="0"/>
+                        </a:rPr>
+                        <m:t>0</m:t>
+                      </m:r>
+                      <m:r>
+                        <a:rPr kumimoji="1" lang="en-US" altLang="ja-JP" sz="2800" b="0" i="1" smtClean="0">
+                          <a:latin typeface="Cambria Math" panose="02040503050406030204" pitchFamily="18" charset="0"/>
+                        </a:rPr>
+                        <m:t>.</m:t>
+                      </m:r>
+                      <m:r>
+                        <a:rPr kumimoji="1" lang="en-US" altLang="ja-JP" sz="2800" b="0" i="1" smtClean="0">
+                          <a:latin typeface="Cambria Math" panose="02040503050406030204" pitchFamily="18" charset="0"/>
+                        </a:rPr>
+                        <m:t>9</m:t>
+                      </m:r>
+                      <m:r>
+                        <a:rPr kumimoji="1" lang="en-US" altLang="ja-JP" sz="2800" b="0" i="1" smtClean="0">
+                          <a:latin typeface="Cambria Math" panose="02040503050406030204" pitchFamily="18" charset="0"/>
+                        </a:rPr>
+                        <m:t> </m:t>
                       </m:r>
                       <m:r>
                         <m:rPr>
@@ -26140,7 +26377,7 @@
           <a:p>
             <a:fld id="{22F89F85-1E0C-4B5A-AC59-C44860113C53}" type="datetime1">
               <a:rPr kumimoji="1" lang="ja-JP" altLang="en-US" smtClean="0"/>
-              <a:t>2023/6/21</a:t>
+              <a:t>2023/6/29</a:t>
             </a:fld>
             <a:endParaRPr kumimoji="1" lang="ja-JP" altLang="en-US"/>
           </a:p>
